--- a/TheSongDbSite/The Songdb.pptx
+++ b/TheSongDbSite/The Songdb.pptx
@@ -118,6 +118,11 @@
       </a:defRPr>
     </a:lvl9pPr>
   </p:defaultTextStyle>
+  <p:extLst>
+    <p:ext uri="{EFAFB233-063F-42B5-8137-9DF3F51BA10A}">
+      <p15:sldGuideLst xmlns:p15="http://schemas.microsoft.com/office/powerpoint/2012/main"/>
+    </p:ext>
+  </p:extLst>
 </p:presentation>
 </file>
 
@@ -363,6 +368,18 @@
   <p:clrMapOvr>
     <a:masterClrMapping/>
   </p:clrMapOvr>
+  <mc:AlternateContent xmlns:mc="http://schemas.openxmlformats.org/markup-compatibility/2006">
+    <mc:Choice xmlns:p14="http://schemas.microsoft.com/office/powerpoint/2010/main" Requires="p14">
+      <p:transition spd="med" p14:dur="700">
+        <p:fade/>
+      </p:transition>
+    </mc:Choice>
+    <mc:Fallback>
+      <p:transition spd="med">
+        <p:fade/>
+      </p:transition>
+    </mc:Fallback>
+  </mc:AlternateContent>
 </p:sldLayout>
 </file>
 
@@ -620,6 +637,18 @@
   <p:clrMapOvr>
     <a:masterClrMapping/>
   </p:clrMapOvr>
+  <mc:AlternateContent xmlns:mc="http://schemas.openxmlformats.org/markup-compatibility/2006">
+    <mc:Choice xmlns:p14="http://schemas.microsoft.com/office/powerpoint/2010/main" Requires="p14">
+      <p:transition spd="med" p14:dur="700">
+        <p:fade/>
+      </p:transition>
+    </mc:Choice>
+    <mc:Fallback>
+      <p:transition spd="med">
+        <p:fade/>
+      </p:transition>
+    </mc:Fallback>
+  </mc:AlternateContent>
 </p:sldLayout>
 </file>
 
@@ -861,6 +890,18 @@
   <p:clrMapOvr>
     <a:masterClrMapping/>
   </p:clrMapOvr>
+  <mc:AlternateContent xmlns:mc="http://schemas.openxmlformats.org/markup-compatibility/2006">
+    <mc:Choice xmlns:p14="http://schemas.microsoft.com/office/powerpoint/2010/main" Requires="p14">
+      <p:transition spd="med" p14:dur="700">
+        <p:fade/>
+      </p:transition>
+    </mc:Choice>
+    <mc:Fallback>
+      <p:transition spd="med">
+        <p:fade/>
+      </p:transition>
+    </mc:Fallback>
+  </mc:AlternateContent>
 </p:sldLayout>
 </file>
 
@@ -1403,6 +1444,18 @@
   <p:clrMapOvr>
     <a:masterClrMapping/>
   </p:clrMapOvr>
+  <mc:AlternateContent xmlns:mc="http://schemas.openxmlformats.org/markup-compatibility/2006">
+    <mc:Choice xmlns:p14="http://schemas.microsoft.com/office/powerpoint/2010/main" Requires="p14">
+      <p:transition spd="med" p14:dur="700">
+        <p:fade/>
+      </p:transition>
+    </mc:Choice>
+    <mc:Fallback>
+      <p:transition spd="med">
+        <p:fade/>
+      </p:transition>
+    </mc:Fallback>
+  </mc:AlternateContent>
 </p:sldLayout>
 </file>
 
@@ -1644,6 +1697,18 @@
   <p:clrMapOvr>
     <a:masterClrMapping/>
   </p:clrMapOvr>
+  <mc:AlternateContent xmlns:mc="http://schemas.openxmlformats.org/markup-compatibility/2006">
+    <mc:Choice xmlns:p14="http://schemas.microsoft.com/office/powerpoint/2010/main" Requires="p14">
+      <p:transition spd="med" p14:dur="700">
+        <p:fade/>
+      </p:transition>
+    </mc:Choice>
+    <mc:Fallback>
+      <p:transition spd="med">
+        <p:fade/>
+      </p:transition>
+    </mc:Fallback>
+  </mc:AlternateContent>
 </p:sldLayout>
 </file>
 
@@ -2181,6 +2246,18 @@
   <p:clrMapOvr>
     <a:masterClrMapping/>
   </p:clrMapOvr>
+  <mc:AlternateContent xmlns:mc="http://schemas.openxmlformats.org/markup-compatibility/2006">
+    <mc:Choice xmlns:p14="http://schemas.microsoft.com/office/powerpoint/2010/main" Requires="p14">
+      <p:transition spd="med" p14:dur="700">
+        <p:fade/>
+      </p:transition>
+    </mc:Choice>
+    <mc:Fallback>
+      <p:transition spd="med">
+        <p:fade/>
+      </p:transition>
+    </mc:Fallback>
+  </mc:AlternateContent>
 </p:sldLayout>
 </file>
 
@@ -2955,6 +3032,18 @@
   <p:clrMapOvr>
     <a:masterClrMapping/>
   </p:clrMapOvr>
+  <mc:AlternateContent xmlns:mc="http://schemas.openxmlformats.org/markup-compatibility/2006">
+    <mc:Choice xmlns:p14="http://schemas.microsoft.com/office/powerpoint/2010/main" Requires="p14">
+      <p:transition spd="med" p14:dur="700">
+        <p:fade/>
+      </p:transition>
+    </mc:Choice>
+    <mc:Fallback>
+      <p:transition spd="med">
+        <p:fade/>
+      </p:transition>
+    </mc:Fallback>
+  </mc:AlternateContent>
 </p:sldLayout>
 </file>
 
@@ -3130,6 +3219,18 @@
   <p:clrMapOvr>
     <a:masterClrMapping/>
   </p:clrMapOvr>
+  <mc:AlternateContent xmlns:mc="http://schemas.openxmlformats.org/markup-compatibility/2006">
+    <mc:Choice xmlns:p14="http://schemas.microsoft.com/office/powerpoint/2010/main" Requires="p14">
+      <p:transition spd="med" p14:dur="700">
+        <p:fade/>
+      </p:transition>
+    </mc:Choice>
+    <mc:Fallback>
+      <p:transition spd="med">
+        <p:fade/>
+      </p:transition>
+    </mc:Fallback>
+  </mc:AlternateContent>
 </p:sldLayout>
 </file>
 
@@ -3363,6 +3464,18 @@
   <p:clrMapOvr>
     <a:masterClrMapping/>
   </p:clrMapOvr>
+  <mc:AlternateContent xmlns:mc="http://schemas.openxmlformats.org/markup-compatibility/2006">
+    <mc:Choice xmlns:p14="http://schemas.microsoft.com/office/powerpoint/2010/main" Requires="p14">
+      <p:transition spd="med" p14:dur="700">
+        <p:fade/>
+      </p:transition>
+    </mc:Choice>
+    <mc:Fallback>
+      <p:transition spd="med">
+        <p:fade/>
+      </p:transition>
+    </mc:Fallback>
+  </mc:AlternateContent>
 </p:sldLayout>
 </file>
 
@@ -3533,6 +3646,18 @@
   <p:clrMapOvr>
     <a:masterClrMapping/>
   </p:clrMapOvr>
+  <mc:AlternateContent xmlns:mc="http://schemas.openxmlformats.org/markup-compatibility/2006">
+    <mc:Choice xmlns:p14="http://schemas.microsoft.com/office/powerpoint/2010/main" Requires="p14">
+      <p:transition spd="med" p14:dur="700">
+        <p:fade/>
+      </p:transition>
+    </mc:Choice>
+    <mc:Fallback>
+      <p:transition spd="med">
+        <p:fade/>
+      </p:transition>
+    </mc:Fallback>
+  </mc:AlternateContent>
 </p:sldLayout>
 </file>
 
@@ -3832,6 +3957,18 @@
   <p:clrMapOvr>
     <a:masterClrMapping/>
   </p:clrMapOvr>
+  <mc:AlternateContent xmlns:mc="http://schemas.openxmlformats.org/markup-compatibility/2006">
+    <mc:Choice xmlns:p14="http://schemas.microsoft.com/office/powerpoint/2010/main" Requires="p14">
+      <p:transition spd="med" p14:dur="700">
+        <p:fade/>
+      </p:transition>
+    </mc:Choice>
+    <mc:Fallback>
+      <p:transition spd="med">
+        <p:fade/>
+      </p:transition>
+    </mc:Fallback>
+  </mc:AlternateContent>
 </p:sldLayout>
 </file>
 
@@ -4064,6 +4201,18 @@
   <p:clrMapOvr>
     <a:masterClrMapping/>
   </p:clrMapOvr>
+  <mc:AlternateContent xmlns:mc="http://schemas.openxmlformats.org/markup-compatibility/2006">
+    <mc:Choice xmlns:p14="http://schemas.microsoft.com/office/powerpoint/2010/main" Requires="p14">
+      <p:transition spd="med" p14:dur="700">
+        <p:fade/>
+      </p:transition>
+    </mc:Choice>
+    <mc:Fallback>
+      <p:transition spd="med">
+        <p:fade/>
+      </p:transition>
+    </mc:Fallback>
+  </mc:AlternateContent>
 </p:sldLayout>
 </file>
 
@@ -4443,6 +4592,18 @@
   <p:clrMapOvr>
     <a:masterClrMapping/>
   </p:clrMapOvr>
+  <mc:AlternateContent xmlns:mc="http://schemas.openxmlformats.org/markup-compatibility/2006">
+    <mc:Choice xmlns:p14="http://schemas.microsoft.com/office/powerpoint/2010/main" Requires="p14">
+      <p:transition spd="med" p14:dur="700">
+        <p:fade/>
+      </p:transition>
+    </mc:Choice>
+    <mc:Fallback>
+      <p:transition spd="med">
+        <p:fade/>
+      </p:transition>
+    </mc:Fallback>
+  </mc:AlternateContent>
 </p:sldLayout>
 </file>
 
@@ -4561,6 +4722,18 @@
   <p:clrMapOvr>
     <a:masterClrMapping/>
   </p:clrMapOvr>
+  <mc:AlternateContent xmlns:mc="http://schemas.openxmlformats.org/markup-compatibility/2006">
+    <mc:Choice xmlns:p14="http://schemas.microsoft.com/office/powerpoint/2010/main" Requires="p14">
+      <p:transition spd="med" p14:dur="700">
+        <p:fade/>
+      </p:transition>
+    </mc:Choice>
+    <mc:Fallback>
+      <p:transition spd="med">
+        <p:fade/>
+      </p:transition>
+    </mc:Fallback>
+  </mc:AlternateContent>
 </p:sldLayout>
 </file>
 
@@ -4656,6 +4829,18 @@
   <p:clrMapOvr>
     <a:masterClrMapping/>
   </p:clrMapOvr>
+  <mc:AlternateContent xmlns:mc="http://schemas.openxmlformats.org/markup-compatibility/2006">
+    <mc:Choice xmlns:p14="http://schemas.microsoft.com/office/powerpoint/2010/main" Requires="p14">
+      <p:transition spd="med" p14:dur="700">
+        <p:fade/>
+      </p:transition>
+    </mc:Choice>
+    <mc:Fallback>
+      <p:transition spd="med">
+        <p:fade/>
+      </p:transition>
+    </mc:Fallback>
+  </mc:AlternateContent>
 </p:sldLayout>
 </file>
 
@@ -4905,6 +5090,18 @@
   <p:clrMapOvr>
     <a:masterClrMapping/>
   </p:clrMapOvr>
+  <mc:AlternateContent xmlns:mc="http://schemas.openxmlformats.org/markup-compatibility/2006">
+    <mc:Choice xmlns:p14="http://schemas.microsoft.com/office/powerpoint/2010/main" Requires="p14">
+      <p:transition spd="med" p14:dur="700">
+        <p:fade/>
+      </p:transition>
+    </mc:Choice>
+    <mc:Fallback>
+      <p:transition spd="med">
+        <p:fade/>
+      </p:transition>
+    </mc:Fallback>
+  </mc:AlternateContent>
 </p:sldLayout>
 </file>
 
@@ -5162,6 +5359,18 @@
   <p:clrMapOvr>
     <a:masterClrMapping/>
   </p:clrMapOvr>
+  <mc:AlternateContent xmlns:mc="http://schemas.openxmlformats.org/markup-compatibility/2006">
+    <mc:Choice xmlns:p14="http://schemas.microsoft.com/office/powerpoint/2010/main" Requires="p14">
+      <p:transition spd="med" p14:dur="700">
+        <p:fade/>
+      </p:transition>
+    </mc:Choice>
+    <mc:Fallback>
+      <p:transition spd="med">
+        <p:fade/>
+      </p:transition>
+    </mc:Fallback>
+  </mc:AlternateContent>
 </p:sldLayout>
 </file>
 
@@ -5458,6 +5667,18 @@
     <p:sldLayoutId id="2147483676" r:id="rId16"/>
     <p:sldLayoutId id="2147483677" r:id="rId17"/>
   </p:sldLayoutIdLst>
+  <mc:AlternateContent xmlns:mc="http://schemas.openxmlformats.org/markup-compatibility/2006">
+    <mc:Choice xmlns:p14="http://schemas.microsoft.com/office/powerpoint/2010/main" Requires="p14">
+      <p:transition spd="med" p14:dur="700">
+        <p:fade/>
+      </p:transition>
+    </mc:Choice>
+    <mc:Fallback>
+      <p:transition spd="med">
+        <p:fade/>
+      </p:transition>
+    </mc:Fallback>
+  </mc:AlternateContent>
   <p:txStyles>
     <p:titleStyle>
       <a:lvl1pPr algn="r" defTabSz="914400" rtl="0" eaLnBrk="1" latinLnBrk="0" hangingPunct="1">
@@ -5859,6 +6080,18 @@
   <p:clrMapOvr>
     <a:masterClrMapping/>
   </p:clrMapOvr>
+  <mc:AlternateContent xmlns:mc="http://schemas.openxmlformats.org/markup-compatibility/2006">
+    <mc:Choice xmlns:p14="http://schemas.microsoft.com/office/powerpoint/2010/main" Requires="p14">
+      <p:transition spd="med" p14:dur="700">
+        <p:fade/>
+      </p:transition>
+    </mc:Choice>
+    <mc:Fallback>
+      <p:transition spd="med">
+        <p:fade/>
+      </p:transition>
+    </mc:Fallback>
+  </mc:AlternateContent>
 </p:sld>
 </file>
 
@@ -5928,7 +6161,25 @@
           <a:bodyPr/>
           <a:lstStyle/>
           <a:p>
-            <a:endParaRPr lang="en-IE"/>
+            <a:r>
+              <a:rPr lang="en-IE" dirty="0"/>
+              <a:t>Last.fm API</a:t>
+            </a:r>
+          </a:p>
+          <a:p>
+            <a:r>
+              <a:rPr lang="en-IE" dirty="0"/>
+              <a:t>Salting passwords</a:t>
+            </a:r>
+          </a:p>
+          <a:p>
+            <a:r>
+              <a:rPr lang="en-IE" dirty="0"/>
+              <a:t>Encrypting/decrypting messages</a:t>
+            </a:r>
+          </a:p>
+          <a:p>
+            <a:endParaRPr lang="en-IE" dirty="0"/>
           </a:p>
         </p:txBody>
       </p:sp>
@@ -5942,6 +6193,18 @@
   <p:clrMapOvr>
     <a:masterClrMapping/>
   </p:clrMapOvr>
+  <mc:AlternateContent xmlns:mc="http://schemas.openxmlformats.org/markup-compatibility/2006">
+    <mc:Choice xmlns:p14="http://schemas.microsoft.com/office/powerpoint/2010/main" Requires="p14">
+      <p:transition spd="med" p14:dur="700">
+        <p:fade/>
+      </p:transition>
+    </mc:Choice>
+    <mc:Fallback>
+      <p:transition spd="med">
+        <p:fade/>
+      </p:transition>
+    </mc:Fallback>
+  </mc:AlternateContent>
 </p:sld>
 </file>
 
@@ -6011,7 +6274,22 @@
           <a:bodyPr/>
           <a:lstStyle/>
           <a:p>
-            <a:endParaRPr lang="en-IE"/>
+            <a:r>
+              <a:rPr lang="en-IE" dirty="0"/>
+              <a:t>“What’s next” approach</a:t>
+            </a:r>
+          </a:p>
+          <a:p>
+            <a:r>
+              <a:rPr lang="en-IE" dirty="0"/>
+              <a:t>Started off looking at each other's strengths</a:t>
+            </a:r>
+          </a:p>
+          <a:p>
+            <a:r>
+              <a:rPr lang="en-IE" dirty="0"/>
+              <a:t>Task list built itself</a:t>
+            </a:r>
           </a:p>
         </p:txBody>
       </p:sp>
@@ -6025,6 +6303,18 @@
   <p:clrMapOvr>
     <a:masterClrMapping/>
   </p:clrMapOvr>
+  <mc:AlternateContent xmlns:mc="http://schemas.openxmlformats.org/markup-compatibility/2006">
+    <mc:Choice xmlns:p14="http://schemas.microsoft.com/office/powerpoint/2010/main" Requires="p14">
+      <p:transition spd="med" p14:dur="700">
+        <p:fade/>
+      </p:transition>
+    </mc:Choice>
+    <mc:Fallback>
+      <p:transition spd="med">
+        <p:fade/>
+      </p:transition>
+    </mc:Fallback>
+  </mc:AlternateContent>
 </p:sld>
 </file>
 
@@ -6123,6 +6413,18 @@
   <p:clrMapOvr>
     <a:masterClrMapping/>
   </p:clrMapOvr>
+  <mc:AlternateContent xmlns:mc="http://schemas.openxmlformats.org/markup-compatibility/2006">
+    <mc:Choice xmlns:p14="http://schemas.microsoft.com/office/powerpoint/2010/main" Requires="p14">
+      <p:transition spd="med" p14:dur="700">
+        <p:fade/>
+      </p:transition>
+    </mc:Choice>
+    <mc:Fallback>
+      <p:transition spd="med">
+        <p:fade/>
+      </p:transition>
+    </mc:Fallback>
+  </mc:AlternateContent>
 </p:sld>
 </file>
 
@@ -6166,13 +6468,8 @@
           <a:p>
             <a:r>
               <a:rPr lang="en-IE" dirty="0"/>
-              <a:t>Emmet’s </a:t>
-            </a:r>
-            <a:r>
-              <a:rPr lang="en-IE" dirty="0" err="1"/>
-              <a:t>Contribrution</a:t>
-            </a:r>
-            <a:endParaRPr lang="en-IE" dirty="0"/>
+              <a:t>Emmet’s Contribution</a:t>
+            </a:r>
           </a:p>
         </p:txBody>
       </p:sp>
@@ -6197,7 +6494,40 @@
           <a:bodyPr/>
           <a:lstStyle/>
           <a:p>
-            <a:endParaRPr lang="en-IE"/>
+            <a:r>
+              <a:rPr lang="en-IE" dirty="0"/>
+              <a:t>Physical Database system</a:t>
+            </a:r>
+          </a:p>
+          <a:p>
+            <a:r>
+              <a:rPr lang="en-IE" dirty="0"/>
+              <a:t>Friends functionality</a:t>
+            </a:r>
+          </a:p>
+          <a:p>
+            <a:r>
+              <a:rPr lang="en-IE" dirty="0"/>
+              <a:t>Friend requesting system</a:t>
+            </a:r>
+          </a:p>
+          <a:p>
+            <a:r>
+              <a:rPr lang="en-IE" dirty="0"/>
+              <a:t>Some Administrator features</a:t>
+            </a:r>
+          </a:p>
+          <a:p>
+            <a:r>
+              <a:rPr lang="en-IE" dirty="0"/>
+              <a:t>Some of the individual page layouts</a:t>
+            </a:r>
+          </a:p>
+          <a:p>
+            <a:endParaRPr lang="en-IE" dirty="0"/>
+          </a:p>
+          <a:p>
+            <a:endParaRPr lang="en-IE" dirty="0"/>
           </a:p>
         </p:txBody>
       </p:sp>
@@ -6211,6 +6541,18 @@
   <p:clrMapOvr>
     <a:masterClrMapping/>
   </p:clrMapOvr>
+  <mc:AlternateContent xmlns:mc="http://schemas.openxmlformats.org/markup-compatibility/2006">
+    <mc:Choice xmlns:p14="http://schemas.microsoft.com/office/powerpoint/2010/main" Requires="p14">
+      <p:transition spd="med" p14:dur="700">
+        <p:fade/>
+      </p:transition>
+    </mc:Choice>
+    <mc:Fallback>
+      <p:transition spd="med">
+        <p:fade/>
+      </p:transition>
+    </mc:Fallback>
+  </mc:AlternateContent>
 </p:sld>
 </file>
 
@@ -6294,6 +6636,18 @@
   <p:clrMapOvr>
     <a:masterClrMapping/>
   </p:clrMapOvr>
+  <mc:AlternateContent xmlns:mc="http://schemas.openxmlformats.org/markup-compatibility/2006">
+    <mc:Choice xmlns:p14="http://schemas.microsoft.com/office/powerpoint/2010/main" Requires="p14">
+      <p:transition spd="med" p14:dur="700">
+        <p:fade/>
+      </p:transition>
+    </mc:Choice>
+    <mc:Fallback>
+      <p:transition spd="med">
+        <p:fade/>
+      </p:transition>
+    </mc:Fallback>
+  </mc:AlternateContent>
 </p:sld>
 </file>
 
@@ -6381,6 +6735,18 @@
   <p:clrMapOvr>
     <a:masterClrMapping/>
   </p:clrMapOvr>
+  <mc:AlternateContent xmlns:mc="http://schemas.openxmlformats.org/markup-compatibility/2006">
+    <mc:Choice xmlns:p14="http://schemas.microsoft.com/office/powerpoint/2010/main" Requires="p14">
+      <p:transition spd="med" p14:dur="700">
+        <p:fade/>
+      </p:transition>
+    </mc:Choice>
+    <mc:Fallback>
+      <p:transition spd="med">
+        <p:fade/>
+      </p:transition>
+    </mc:Fallback>
+  </mc:AlternateContent>
 </p:sld>
 </file>
 
@@ -6471,6 +6837,18 @@
   <p:clrMapOvr>
     <a:masterClrMapping/>
   </p:clrMapOvr>
+  <mc:AlternateContent xmlns:mc="http://schemas.openxmlformats.org/markup-compatibility/2006">
+    <mc:Choice xmlns:p14="http://schemas.microsoft.com/office/powerpoint/2010/main" Requires="p14">
+      <p:transition spd="med" p14:dur="700">
+        <p:fade/>
+      </p:transition>
+    </mc:Choice>
+    <mc:Fallback>
+      <p:transition spd="med">
+        <p:fade/>
+      </p:transition>
+    </mc:Fallback>
+  </mc:AlternateContent>
 </p:sld>
 </file>
 
@@ -6569,6 +6947,12 @@
               <a:t>Learn About Music Artists</a:t>
             </a:r>
           </a:p>
+          <a:p>
+            <a:r>
+              <a:rPr lang="en-IE" dirty="0"/>
+              <a:t>Administrator Functionality</a:t>
+            </a:r>
+          </a:p>
         </p:txBody>
       </p:sp>
     </p:spTree>
@@ -6581,6 +6965,18 @@
   <p:clrMapOvr>
     <a:masterClrMapping/>
   </p:clrMapOvr>
+  <mc:AlternateContent xmlns:mc="http://schemas.openxmlformats.org/markup-compatibility/2006">
+    <mc:Choice xmlns:p14="http://schemas.microsoft.com/office/powerpoint/2010/main" Requires="p14">
+      <p:transition spd="med" p14:dur="700">
+        <p:fade/>
+      </p:transition>
+    </mc:Choice>
+    <mc:Fallback>
+      <p:transition spd="med">
+        <p:fade/>
+      </p:transition>
+    </mc:Fallback>
+  </mc:AlternateContent>
 </p:sld>
 </file>
 
@@ -6706,6 +7102,18 @@
   <p:clrMapOvr>
     <a:masterClrMapping/>
   </p:clrMapOvr>
+  <mc:AlternateContent xmlns:mc="http://schemas.openxmlformats.org/markup-compatibility/2006">
+    <mc:Choice xmlns:p14="http://schemas.microsoft.com/office/powerpoint/2010/main" Requires="p14">
+      <p:transition spd="med" p14:dur="700">
+        <p:fade/>
+      </p:transition>
+    </mc:Choice>
+    <mc:Fallback>
+      <p:transition spd="med">
+        <p:fade/>
+      </p:transition>
+    </mc:Fallback>
+  </mc:AlternateContent>
 </p:sld>
 </file>
 
@@ -6791,15 +7199,7 @@
             </a:r>
             <a:r>
               <a:rPr lang="en-IE" dirty="0"/>
-              <a:t> API bringing </a:t>
-            </a:r>
-            <a:r>
-              <a:rPr lang="en-IE" dirty="0" err="1"/>
-              <a:t>tieing</a:t>
-            </a:r>
-            <a:r>
-              <a:rPr lang="en-IE" dirty="0"/>
-              <a:t> together a social media site and a music lover’s experience</a:t>
+              <a:t> API bringing together a social media site and a music lover’s experience</a:t>
             </a:r>
           </a:p>
           <a:p>
@@ -6831,6 +7231,18 @@
   <p:clrMapOvr>
     <a:masterClrMapping/>
   </p:clrMapOvr>
+  <mc:AlternateContent xmlns:mc="http://schemas.openxmlformats.org/markup-compatibility/2006">
+    <mc:Choice xmlns:p14="http://schemas.microsoft.com/office/powerpoint/2010/main" Requires="p14">
+      <p:transition spd="med" p14:dur="700">
+        <p:fade/>
+      </p:transition>
+    </mc:Choice>
+    <mc:Fallback>
+      <p:transition spd="med">
+        <p:fade/>
+      </p:transition>
+    </mc:Fallback>
+  </mc:AlternateContent>
 </p:sld>
 </file>
 
@@ -6907,12 +7319,8 @@
           </a:p>
           <a:p>
             <a:r>
-              <a:rPr lang="en-IE" dirty="0" err="1"/>
-              <a:t>Incrypting</a:t>
-            </a:r>
-            <a:r>
               <a:rPr lang="en-IE" dirty="0"/>
-              <a:t> messages</a:t>
+              <a:t>Encrypting messages</a:t>
             </a:r>
           </a:p>
           <a:p>
@@ -6942,6 +7350,18 @@
   <p:clrMapOvr>
     <a:masterClrMapping/>
   </p:clrMapOvr>
+  <mc:AlternateContent xmlns:mc="http://schemas.openxmlformats.org/markup-compatibility/2006">
+    <mc:Choice xmlns:p14="http://schemas.microsoft.com/office/powerpoint/2010/main" Requires="p14">
+      <p:transition spd="med" p14:dur="700">
+        <p:fade/>
+      </p:transition>
+    </mc:Choice>
+    <mc:Fallback>
+      <p:transition spd="med">
+        <p:fade/>
+      </p:transition>
+    </mc:Fallback>
+  </mc:AlternateContent>
 </p:sld>
 </file>
 
@@ -7040,6 +7460,18 @@
   <p:clrMapOvr>
     <a:masterClrMapping/>
   </p:clrMapOvr>
+  <mc:AlternateContent xmlns:mc="http://schemas.openxmlformats.org/markup-compatibility/2006">
+    <mc:Choice xmlns:p14="http://schemas.microsoft.com/office/powerpoint/2010/main" Requires="p14">
+      <p:transition spd="med" p14:dur="700">
+        <p:fade/>
+      </p:transition>
+    </mc:Choice>
+    <mc:Fallback>
+      <p:transition spd="med">
+        <p:fade/>
+      </p:transition>
+    </mc:Fallback>
+  </mc:AlternateContent>
 </p:sld>
 </file>
 
@@ -7088,31 +7520,41 @@
           </a:p>
         </p:txBody>
       </p:sp>
-      <p:sp>
-        <p:nvSpPr>
-          <p:cNvPr id="3" name="Content Placeholder 2">
+      <p:pic>
+        <p:nvPicPr>
+          <p:cNvPr id="5" name="Content Placeholder 4">
             <a:extLst>
               <a:ext uri="{FF2B5EF4-FFF2-40B4-BE49-F238E27FC236}">
-                <a16:creationId xmlns:a16="http://schemas.microsoft.com/office/drawing/2014/main" id="{D59A68CB-DB3A-41CD-A830-277B8F460380}"/>
+                <a16:creationId xmlns:a16="http://schemas.microsoft.com/office/drawing/2014/main" id="{4BDE8512-A09F-4422-96A5-1FFA3272ABE3}"/>
               </a:ext>
             </a:extLst>
           </p:cNvPr>
-          <p:cNvSpPr>
-            <a:spLocks noGrp="1"/>
-          </p:cNvSpPr>
+          <p:cNvPicPr>
+            <a:picLocks noGrp="1" noChangeAspect="1"/>
+          </p:cNvPicPr>
           <p:nvPr>
             <p:ph idx="1"/>
           </p:nvPr>
-        </p:nvSpPr>
-        <p:spPr/>
-        <p:txBody>
-          <a:bodyPr/>
-          <a:lstStyle/>
-          <a:p>
-            <a:endParaRPr lang="en-IE" dirty="0"/>
-          </a:p>
-        </p:txBody>
-      </p:sp>
+        </p:nvPicPr>
+        <p:blipFill>
+          <a:blip r:embed="rId2">
+            <a:extLst>
+              <a:ext uri="{28A0092B-C50C-407E-A947-70E740481C1C}">
+                <a14:useLocalDpi xmlns:a14="http://schemas.microsoft.com/office/drawing/2010/main" val="0"/>
+              </a:ext>
+            </a:extLst>
+          </a:blip>
+          <a:stretch>
+            <a:fillRect/>
+          </a:stretch>
+        </p:blipFill>
+        <p:spPr>
+          <a:xfrm>
+            <a:off x="1010653" y="2004573"/>
+            <a:ext cx="10186736" cy="4282931"/>
+          </a:xfrm>
+        </p:spPr>
+      </p:pic>
     </p:spTree>
     <p:extLst>
       <p:ext uri="{BB962C8B-B14F-4D97-AF65-F5344CB8AC3E}">
@@ -7123,6 +7565,18 @@
   <p:clrMapOvr>
     <a:masterClrMapping/>
   </p:clrMapOvr>
+  <mc:AlternateContent xmlns:mc="http://schemas.openxmlformats.org/markup-compatibility/2006">
+    <mc:Choice xmlns:p14="http://schemas.microsoft.com/office/powerpoint/2010/main" Requires="p14">
+      <p:transition spd="med" p14:dur="700">
+        <p:fade/>
+      </p:transition>
+    </mc:Choice>
+    <mc:Fallback>
+      <p:transition spd="med">
+        <p:fade/>
+      </p:transition>
+    </mc:Fallback>
+  </mc:AlternateContent>
 </p:sld>
 </file>
 
@@ -7192,7 +7646,22 @@
           <a:bodyPr/>
           <a:lstStyle/>
           <a:p>
-            <a:endParaRPr lang="en-IE" dirty="0"/>
+            <a:r>
+              <a:rPr lang="en-IE" dirty="0"/>
+              <a:t>Junit tests </a:t>
+            </a:r>
+          </a:p>
+          <a:p>
+            <a:r>
+              <a:rPr lang="en-IE" dirty="0"/>
+              <a:t>Number of User Tests </a:t>
+            </a:r>
+          </a:p>
+          <a:p>
+            <a:r>
+              <a:rPr lang="en-IE" dirty="0"/>
+              <a:t>Continuous functionality tests</a:t>
+            </a:r>
           </a:p>
         </p:txBody>
       </p:sp>
@@ -7206,6 +7675,18 @@
   <p:clrMapOvr>
     <a:masterClrMapping/>
   </p:clrMapOvr>
+  <mc:AlternateContent xmlns:mc="http://schemas.openxmlformats.org/markup-compatibility/2006">
+    <mc:Choice xmlns:p14="http://schemas.microsoft.com/office/powerpoint/2010/main" Requires="p14">
+      <p:transition spd="med" p14:dur="700">
+        <p:fade/>
+      </p:transition>
+    </mc:Choice>
+    <mc:Fallback>
+      <p:transition spd="med">
+        <p:fade/>
+      </p:transition>
+    </mc:Fallback>
+  </mc:AlternateContent>
 </p:sld>
 </file>
 
